--- a/UI_LOGIN_ADMIN.pptx
+++ b/UI_LOGIN_ADMIN.pptx
@@ -2966,24 +2966,26 @@
       </p:grpSpPr>
       <p:sp>
         <p:nvSpPr>
-          <p:cNvPr id="10" name="Snip Same Side Corner Rectangle 9"/>
+          <p:cNvPr id="4" name="Rounded Rectangle 3"/>
           <p:cNvSpPr/>
           <p:nvPr/>
         </p:nvSpPr>
         <p:spPr>
           <a:xfrm>
-            <a:off x="0" y="-24786"/>
-            <a:ext cx="12192000" cy="3590946"/>
+            <a:off x="4765497" y="3267054"/>
+            <a:ext cx="2661007" cy="565078"/>
           </a:xfrm>
-          <a:prstGeom prst="snip2SameRect">
+          <a:prstGeom prst="roundRect">
             <a:avLst>
-              <a:gd name="adj1" fmla="val 0"/>
-              <a:gd name="adj2" fmla="val 0"/>
+              <a:gd name="adj" fmla="val 42963"/>
             </a:avLst>
           </a:prstGeom>
-          <a:solidFill>
-            <a:srgbClr val="FF0101"/>
-          </a:solidFill>
+          <a:noFill/>
+          <a:ln w="44450">
+            <a:solidFill>
+              <a:schemeClr val="tx1"/>
+            </a:solidFill>
+          </a:ln>
         </p:spPr>
         <p:style>
           <a:lnRef idx="2">
@@ -3006,7 +3008,23 @@
           <a:lstStyle/>
           <a:p>
             <a:pPr algn="ctr"/>
-            <a:endParaRPr lang="en-US"/>
+            <a:r>
+              <a:rPr lang="en-US" dirty="0" smtClean="0">
+                <a:solidFill>
+                  <a:schemeClr val="tx1">
+                    <a:alpha val="23000"/>
+                  </a:schemeClr>
+                </a:solidFill>
+              </a:rPr>
+              <a:t>Type Username Here</a:t>
+            </a:r>
+            <a:endParaRPr lang="en-US" dirty="0">
+              <a:solidFill>
+                <a:schemeClr val="tx1">
+                  <a:alpha val="23000"/>
+                </a:schemeClr>
+              </a:solidFill>
+            </a:endParaRPr>
           </a:p>
         </p:txBody>
       </p:sp>
@@ -3078,7 +3096,7 @@
         </p:nvSpPr>
         <p:spPr>
           <a:xfrm>
-            <a:off x="4765497" y="1277369"/>
+            <a:off x="4829175" y="1154430"/>
             <a:ext cx="2533650" cy="1200329"/>
           </a:xfrm>
           <a:prstGeom prst="rect">
@@ -3109,7 +3127,7 @@
         </p:nvSpPr>
         <p:spPr>
           <a:xfrm>
-            <a:off x="4765497" y="4371954"/>
+            <a:off x="4765497" y="4303374"/>
             <a:ext cx="2661007" cy="565078"/>
           </a:xfrm>
           <a:prstGeom prst="roundRect">
@@ -3117,9 +3135,7 @@
               <a:gd name="adj" fmla="val 42963"/>
             </a:avLst>
           </a:prstGeom>
-          <a:solidFill>
-            <a:schemeClr val="bg1"/>
-          </a:solidFill>
+          <a:noFill/>
           <a:ln w="44450">
             <a:solidFill>
               <a:schemeClr val="tx1"/>
@@ -3156,72 +3172,6 @@
                 </a:solidFill>
               </a:rPr>
               <a:t>Type Password Here</a:t>
-            </a:r>
-            <a:endParaRPr lang="en-US" dirty="0">
-              <a:solidFill>
-                <a:schemeClr val="tx1">
-                  <a:alpha val="23000"/>
-                </a:schemeClr>
-              </a:solidFill>
-            </a:endParaRPr>
-          </a:p>
-        </p:txBody>
-      </p:sp>
-      <p:sp>
-        <p:nvSpPr>
-          <p:cNvPr id="11" name="Rounded Rectangle 10"/>
-          <p:cNvSpPr/>
-          <p:nvPr/>
-        </p:nvSpPr>
-        <p:spPr>
-          <a:xfrm>
-            <a:off x="4765497" y="3689964"/>
-            <a:ext cx="2661007" cy="565078"/>
-          </a:xfrm>
-          <a:prstGeom prst="roundRect">
-            <a:avLst>
-              <a:gd name="adj" fmla="val 42963"/>
-            </a:avLst>
-          </a:prstGeom>
-          <a:solidFill>
-            <a:schemeClr val="bg1"/>
-          </a:solidFill>
-          <a:ln w="44450">
-            <a:solidFill>
-              <a:schemeClr val="tx1"/>
-            </a:solidFill>
-          </a:ln>
-        </p:spPr>
-        <p:style>
-          <a:lnRef idx="2">
-            <a:schemeClr val="accent1">
-              <a:shade val="50000"/>
-            </a:schemeClr>
-          </a:lnRef>
-          <a:fillRef idx="1">
-            <a:schemeClr val="accent1"/>
-          </a:fillRef>
-          <a:effectRef idx="0">
-            <a:schemeClr val="accent1"/>
-          </a:effectRef>
-          <a:fontRef idx="minor">
-            <a:schemeClr val="lt1"/>
-          </a:fontRef>
-        </p:style>
-        <p:txBody>
-          <a:bodyPr rtlCol="0" anchor="ctr"/>
-          <a:lstStyle/>
-          <a:p>
-            <a:pPr algn="ctr"/>
-            <a:r>
-              <a:rPr lang="en-US" dirty="0" smtClean="0">
-                <a:solidFill>
-                  <a:schemeClr val="tx1">
-                    <a:alpha val="23000"/>
-                  </a:schemeClr>
-                </a:solidFill>
-              </a:rPr>
-              <a:t>Type Username Here</a:t>
             </a:r>
             <a:endParaRPr lang="en-US" dirty="0">
               <a:solidFill>
